--- a/OCR_workshop.pptx
+++ b/OCR_workshop.pptx
@@ -5,13 +5,14 @@
     <p:sldMasterId id="2147483723" r:id="rId1"/>
   </p:sldMasterIdLst>
   <p:notesMasterIdLst>
-    <p:notesMasterId r:id="rId6"/>
+    <p:notesMasterId r:id="rId7"/>
   </p:notesMasterIdLst>
   <p:sldIdLst>
     <p:sldId id="256" r:id="rId2"/>
     <p:sldId id="258" r:id="rId3"/>
     <p:sldId id="257" r:id="rId4"/>
     <p:sldId id="259" r:id="rId5"/>
+    <p:sldId id="260" r:id="rId6"/>
   </p:sldIdLst>
   <p:sldSz cx="12192000" cy="6858000"/>
   <p:notesSz cx="6858000" cy="9144000"/>
@@ -4930,6 +4931,542 @@
       <p:bldP spid="2" grpId="0"/>
     </p:bldLst>
   </p:timing>
+</p:sld>
+</file>
+
+<file path=ppt/slides/slide5.xml><?xml version="1.0" encoding="utf-8"?>
+<p:sld xmlns:a="http://schemas.openxmlformats.org/drawingml/2006/main" xmlns:r="http://schemas.openxmlformats.org/officeDocument/2006/relationships" xmlns:p="http://schemas.openxmlformats.org/presentationml/2006/main" showMasterSp="0">
+  <p:cSld>
+    <p:bg>
+      <p:bgPr>
+        <a:gradFill>
+          <a:gsLst>
+            <a:gs pos="0">
+              <a:srgbClr val="FF0000"/>
+            </a:gs>
+            <a:gs pos="20000">
+              <a:srgbClr val="FF0000"/>
+            </a:gs>
+            <a:gs pos="100000">
+              <a:srgbClr val="FF0000"/>
+            </a:gs>
+          </a:gsLst>
+          <a:lin ang="5400000" scaled="1"/>
+        </a:gradFill>
+        <a:effectLst/>
+      </p:bgPr>
+    </p:bg>
+    <p:spTree>
+      <p:nvGrpSpPr>
+        <p:cNvPr id="1" name=""/>
+        <p:cNvGrpSpPr/>
+        <p:nvPr/>
+      </p:nvGrpSpPr>
+      <p:grpSpPr>
+        <a:xfrm>
+          <a:off x="0" y="0"/>
+          <a:ext cx="0" cy="0"/>
+          <a:chOff x="0" y="0"/>
+          <a:chExt cx="0" cy="0"/>
+        </a:xfrm>
+      </p:grpSpPr>
+      <p:sp>
+        <p:nvSpPr>
+          <p:cNvPr id="10" name="Rectangle 9">
+            <a:extLst>
+              <a:ext uri="{FF2B5EF4-FFF2-40B4-BE49-F238E27FC236}">
+                <a16:creationId xmlns:a16="http://schemas.microsoft.com/office/drawing/2014/main" id="{AFA67CD3-AB4E-4A7A-BEB8-53C445D8C44E}"/>
+              </a:ext>
+              <a:ext uri="{C183D7F6-B498-43B3-948B-1728B52AA6E4}">
+                <adec:decorative xmlns:adec="http://schemas.microsoft.com/office/drawing/2017/decorative" val="1"/>
+              </a:ext>
+            </a:extLst>
+          </p:cNvPr>
+          <p:cNvSpPr>
+            <a:spLocks noGrp="1" noRot="1" noChangeAspect="1" noMove="1" noResize="1" noEditPoints="1" noAdjustHandles="1" noChangeArrowheads="1" noChangeShapeType="1" noTextEdit="1"/>
+          </p:cNvSpPr>
+          <p:nvPr>
+            <p:extLst>
+              <p:ext uri="{386F3935-93C4-4BCD-93E2-E3B085C9AB24}">
+                <p16:designElem xmlns:p16="http://schemas.microsoft.com/office/powerpoint/2015/main" val="1"/>
+              </p:ext>
+            </p:extLst>
+          </p:nvPr>
+        </p:nvSpPr>
+        <p:spPr>
+          <a:xfrm>
+            <a:off x="1" y="3726"/>
+            <a:ext cx="5614875" cy="6858000"/>
+          </a:xfrm>
+          <a:prstGeom prst="rect">
+            <a:avLst/>
+          </a:prstGeom>
+          <a:gradFill>
+            <a:gsLst>
+              <a:gs pos="0">
+                <a:schemeClr val="accent1">
+                  <a:lumMod val="100000"/>
+                  <a:alpha val="82000"/>
+                </a:schemeClr>
+              </a:gs>
+              <a:gs pos="25000">
+                <a:schemeClr val="accent1">
+                  <a:alpha val="60000"/>
+                </a:schemeClr>
+              </a:gs>
+              <a:gs pos="94000">
+                <a:schemeClr val="bg2">
+                  <a:lumMod val="75000"/>
+                </a:schemeClr>
+              </a:gs>
+              <a:gs pos="100000">
+                <a:schemeClr val="bg2">
+                  <a:lumMod val="75000"/>
+                </a:schemeClr>
+              </a:gs>
+            </a:gsLst>
+            <a:lin ang="4200000" scaled="0"/>
+          </a:gradFill>
+          <a:ln>
+            <a:noFill/>
+          </a:ln>
+        </p:spPr>
+        <p:style>
+          <a:lnRef idx="2">
+            <a:schemeClr val="accent1">
+              <a:shade val="50000"/>
+            </a:schemeClr>
+          </a:lnRef>
+          <a:fillRef idx="1">
+            <a:schemeClr val="accent1"/>
+          </a:fillRef>
+          <a:effectRef idx="0">
+            <a:schemeClr val="accent1"/>
+          </a:effectRef>
+          <a:fontRef idx="minor">
+            <a:schemeClr val="lt1"/>
+          </a:fontRef>
+        </p:style>
+        <p:txBody>
+          <a:bodyPr rtlCol="0" anchor="ctr"/>
+          <a:lstStyle/>
+          <a:p>
+            <a:pPr algn="ctr"/>
+            <a:endParaRPr lang="en-US"/>
+          </a:p>
+        </p:txBody>
+      </p:sp>
+      <p:pic>
+        <p:nvPicPr>
+          <p:cNvPr id="12" name="Picture 11">
+            <a:extLst>
+              <a:ext uri="{FF2B5EF4-FFF2-40B4-BE49-F238E27FC236}">
+                <a16:creationId xmlns:a16="http://schemas.microsoft.com/office/drawing/2014/main" id="{07CF545F-9C2E-4446-97CD-AD92990C2B68}"/>
+              </a:ext>
+              <a:ext uri="{C183D7F6-B498-43B3-948B-1728B52AA6E4}">
+                <adec:decorative xmlns:adec="http://schemas.microsoft.com/office/drawing/2017/decorative" val="1"/>
+              </a:ext>
+            </a:extLst>
+          </p:cNvPr>
+          <p:cNvPicPr>
+            <a:picLocks noGrp="1" noRot="1" noChangeAspect="1" noMove="1" noResize="1" noEditPoints="1" noAdjustHandles="1" noChangeArrowheads="1" noChangeShapeType="1" noCrop="1"/>
+          </p:cNvPicPr>
+          <p:nvPr>
+            <p:extLst>
+              <p:ext uri="{386F3935-93C4-4BCD-93E2-E3B085C9AB24}">
+                <p16:designElem xmlns:p16="http://schemas.microsoft.com/office/powerpoint/2015/main" val="1"/>
+              </p:ext>
+            </p:extLst>
+          </p:nvPr>
+        </p:nvPicPr>
+        <p:blipFill>
+          <a:blip r:embed="rId2">
+            <a:extLst>
+              <a:ext uri="{28A0092B-C50C-407E-A947-70E740481C1C}">
+                <a14:useLocalDpi xmlns:a14="http://schemas.microsoft.com/office/drawing/2010/main" val="0"/>
+              </a:ext>
+            </a:extLst>
+          </a:blip>
+          <a:stretch>
+            <a:fillRect/>
+          </a:stretch>
+        </p:blipFill>
+        <p:spPr>
+          <a:xfrm>
+            <a:off x="0" y="0"/>
+            <a:ext cx="12192000" cy="6858000"/>
+          </a:xfrm>
+          <a:prstGeom prst="rect">
+            <a:avLst/>
+          </a:prstGeom>
+        </p:spPr>
+      </p:pic>
+      <p:sp>
+        <p:nvSpPr>
+          <p:cNvPr id="2" name="Titel 1">
+            <a:extLst>
+              <a:ext uri="{FF2B5EF4-FFF2-40B4-BE49-F238E27FC236}">
+                <a16:creationId xmlns:a16="http://schemas.microsoft.com/office/drawing/2014/main" id="{60441D55-E03F-E04D-B737-9D9CE0090FFB}"/>
+              </a:ext>
+            </a:extLst>
+          </p:cNvPr>
+          <p:cNvSpPr>
+            <a:spLocks noGrp="1"/>
+          </p:cNvSpPr>
+          <p:nvPr>
+            <p:ph type="title"/>
+          </p:nvPr>
+        </p:nvSpPr>
+        <p:spPr>
+          <a:xfrm>
+            <a:off x="6094105" y="802955"/>
+            <a:ext cx="4977976" cy="1454051"/>
+          </a:xfrm>
+        </p:spPr>
+        <p:txBody>
+          <a:bodyPr>
+            <a:normAutofit/>
+          </a:bodyPr>
+          <a:lstStyle/>
+          <a:p>
+            <a:r>
+              <a:rPr lang="da-DK">
+                <a:solidFill>
+                  <a:srgbClr val="000000"/>
+                </a:solidFill>
+              </a:rPr>
+              <a:t>Fejl er velkomne!</a:t>
+            </a:r>
+          </a:p>
+        </p:txBody>
+      </p:sp>
+      <p:sp>
+        <p:nvSpPr>
+          <p:cNvPr id="14" name="Freeform 62">
+            <a:extLst>
+              <a:ext uri="{FF2B5EF4-FFF2-40B4-BE49-F238E27FC236}">
+                <a16:creationId xmlns:a16="http://schemas.microsoft.com/office/drawing/2014/main" id="{339C8D78-A644-462F-B674-F440635E5353}"/>
+              </a:ext>
+              <a:ext uri="{C183D7F6-B498-43B3-948B-1728B52AA6E4}">
+                <adec:decorative xmlns:adec="http://schemas.microsoft.com/office/drawing/2017/decorative" val="1"/>
+              </a:ext>
+            </a:extLst>
+          </p:cNvPr>
+          <p:cNvSpPr>
+            <a:spLocks noGrp="1" noRot="1" noChangeAspect="1" noMove="1" noResize="1" noEditPoints="1" noAdjustHandles="1" noChangeArrowheads="1" noChangeShapeType="1" noTextEdit="1"/>
+          </p:cNvSpPr>
+          <p:nvPr>
+            <p:extLst>
+              <p:ext uri="{386F3935-93C4-4BCD-93E2-E3B085C9AB24}">
+                <p16:designElem xmlns:p16="http://schemas.microsoft.com/office/powerpoint/2015/main" val="1"/>
+              </p:ext>
+            </p:extLst>
+          </p:nvPr>
+        </p:nvSpPr>
+        <p:spPr>
+          <a:xfrm>
+            <a:off x="0" y="738619"/>
+            <a:ext cx="5000438" cy="5400962"/>
+          </a:xfrm>
+          <a:custGeom>
+            <a:avLst/>
+            <a:gdLst>
+              <a:gd name="connsiteX0" fmla="*/ 2299956 w 5000438"/>
+              <a:gd name="connsiteY0" fmla="*/ 0 h 5400962"/>
+              <a:gd name="connsiteX1" fmla="*/ 5000438 w 5000438"/>
+              <a:gd name="connsiteY1" fmla="*/ 2700481 h 5400962"/>
+              <a:gd name="connsiteX2" fmla="*/ 2299956 w 5000438"/>
+              <a:gd name="connsiteY2" fmla="*/ 5400962 h 5400962"/>
+              <a:gd name="connsiteX3" fmla="*/ 60675 w 5000438"/>
+              <a:gd name="connsiteY3" fmla="*/ 4210346 h 5400962"/>
+              <a:gd name="connsiteX4" fmla="*/ 0 w 5000438"/>
+              <a:gd name="connsiteY4" fmla="*/ 4110472 h 5400962"/>
+              <a:gd name="connsiteX5" fmla="*/ 0 w 5000438"/>
+              <a:gd name="connsiteY5" fmla="*/ 1290491 h 5400962"/>
+              <a:gd name="connsiteX6" fmla="*/ 60675 w 5000438"/>
+              <a:gd name="connsiteY6" fmla="*/ 1190617 h 5400962"/>
+              <a:gd name="connsiteX7" fmla="*/ 2299956 w 5000438"/>
+              <a:gd name="connsiteY7" fmla="*/ 0 h 5400962"/>
+            </a:gdLst>
+            <a:ahLst/>
+            <a:cxnLst>
+              <a:cxn ang="0">
+                <a:pos x="connsiteX0" y="connsiteY0"/>
+              </a:cxn>
+              <a:cxn ang="0">
+                <a:pos x="connsiteX1" y="connsiteY1"/>
+              </a:cxn>
+              <a:cxn ang="0">
+                <a:pos x="connsiteX2" y="connsiteY2"/>
+              </a:cxn>
+              <a:cxn ang="0">
+                <a:pos x="connsiteX3" y="connsiteY3"/>
+              </a:cxn>
+              <a:cxn ang="0">
+                <a:pos x="connsiteX4" y="connsiteY4"/>
+              </a:cxn>
+              <a:cxn ang="0">
+                <a:pos x="connsiteX5" y="connsiteY5"/>
+              </a:cxn>
+              <a:cxn ang="0">
+                <a:pos x="connsiteX6" y="connsiteY6"/>
+              </a:cxn>
+              <a:cxn ang="0">
+                <a:pos x="connsiteX7" y="connsiteY7"/>
+              </a:cxn>
+            </a:cxnLst>
+            <a:rect l="l" t="t" r="r" b="b"/>
+            <a:pathLst>
+              <a:path w="5000438" h="5400962">
+                <a:moveTo>
+                  <a:pt x="2299956" y="0"/>
+                </a:moveTo>
+                <a:cubicBezTo>
+                  <a:pt x="3791390" y="0"/>
+                  <a:pt x="5000438" y="1209047"/>
+                  <a:pt x="5000438" y="2700481"/>
+                </a:cubicBezTo>
+                <a:cubicBezTo>
+                  <a:pt x="5000438" y="4191915"/>
+                  <a:pt x="3791390" y="5400962"/>
+                  <a:pt x="2299956" y="5400962"/>
+                </a:cubicBezTo>
+                <a:cubicBezTo>
+                  <a:pt x="1367810" y="5400962"/>
+                  <a:pt x="545971" y="4928678"/>
+                  <a:pt x="60675" y="4210346"/>
+                </a:cubicBezTo>
+                <a:lnTo>
+                  <a:pt x="0" y="4110472"/>
+                </a:lnTo>
+                <a:lnTo>
+                  <a:pt x="0" y="1290491"/>
+                </a:lnTo>
+                <a:lnTo>
+                  <a:pt x="60675" y="1190617"/>
+                </a:lnTo>
+                <a:cubicBezTo>
+                  <a:pt x="545971" y="472284"/>
+                  <a:pt x="1367810" y="0"/>
+                  <a:pt x="2299956" y="0"/>
+                </a:cubicBezTo>
+                <a:close/>
+              </a:path>
+            </a:pathLst>
+          </a:custGeom>
+          <a:solidFill>
+            <a:srgbClr val="FFFFFF"/>
+          </a:solidFill>
+          <a:ln>
+            <a:gradFill>
+              <a:gsLst>
+                <a:gs pos="0">
+                  <a:schemeClr val="accent1">
+                    <a:lumMod val="40000"/>
+                    <a:lumOff val="60000"/>
+                  </a:schemeClr>
+                </a:gs>
+                <a:gs pos="23000">
+                  <a:schemeClr val="accent1">
+                    <a:lumMod val="45000"/>
+                    <a:lumOff val="55000"/>
+                  </a:schemeClr>
+                </a:gs>
+                <a:gs pos="83000">
+                  <a:schemeClr val="bg2">
+                    <a:lumMod val="85000"/>
+                  </a:schemeClr>
+                </a:gs>
+                <a:gs pos="100000">
+                  <a:schemeClr val="bg2">
+                    <a:lumMod val="85000"/>
+                  </a:schemeClr>
+                </a:gs>
+              </a:gsLst>
+              <a:lin ang="5400000" scaled="1"/>
+            </a:gradFill>
+          </a:ln>
+        </p:spPr>
+        <p:style>
+          <a:lnRef idx="2">
+            <a:schemeClr val="accent1">
+              <a:shade val="50000"/>
+            </a:schemeClr>
+          </a:lnRef>
+          <a:fillRef idx="1">
+            <a:schemeClr val="accent1"/>
+          </a:fillRef>
+          <a:effectRef idx="0">
+            <a:schemeClr val="accent1"/>
+          </a:effectRef>
+          <a:fontRef idx="minor">
+            <a:schemeClr val="lt1"/>
+          </a:fontRef>
+        </p:style>
+        <p:txBody>
+          <a:bodyPr wrap="square" rtlCol="0" anchor="ctr">
+            <a:noAutofit/>
+          </a:bodyPr>
+          <a:lstStyle/>
+          <a:p>
+            <a:pPr algn="ctr"/>
+            <a:endParaRPr lang="en-US"/>
+          </a:p>
+        </p:txBody>
+      </p:sp>
+      <p:pic>
+        <p:nvPicPr>
+          <p:cNvPr id="7" name="Graphic 6" descr="Irritationskilde">
+            <a:extLst>
+              <a:ext uri="{FF2B5EF4-FFF2-40B4-BE49-F238E27FC236}">
+                <a16:creationId xmlns:a16="http://schemas.microsoft.com/office/drawing/2014/main" id="{A6660307-F05E-4FF0-A7C4-993D14398DDF}"/>
+              </a:ext>
+            </a:extLst>
+          </p:cNvPr>
+          <p:cNvPicPr>
+            <a:picLocks noChangeAspect="1"/>
+          </p:cNvPicPr>
+          <p:nvPr/>
+        </p:nvPicPr>
+        <p:blipFill>
+          <a:blip r:embed="rId3">
+            <a:extLst>
+              <a:ext uri="{28A0092B-C50C-407E-A947-70E740481C1C}">
+                <a14:useLocalDpi xmlns:a14="http://schemas.microsoft.com/office/drawing/2010/main" val="0"/>
+              </a:ext>
+              <a:ext uri="{96DAC541-7B7A-43D3-8B79-37D633B846F1}">
+                <asvg:svgBlip xmlns:asvg="http://schemas.microsoft.com/office/drawing/2016/SVG/main" r:embed="rId4"/>
+              </a:ext>
+            </a:extLst>
+          </a:blip>
+          <a:stretch>
+            <a:fillRect/>
+          </a:stretch>
+        </p:blipFill>
+        <p:spPr>
+          <a:xfrm>
+            <a:off x="450254" y="1629089"/>
+            <a:ext cx="3620021" cy="3620021"/>
+          </a:xfrm>
+          <a:prstGeom prst="rect">
+            <a:avLst/>
+          </a:prstGeom>
+        </p:spPr>
+      </p:pic>
+      <p:sp>
+        <p:nvSpPr>
+          <p:cNvPr id="3" name="Pladsholder til indhold 2">
+            <a:extLst>
+              <a:ext uri="{FF2B5EF4-FFF2-40B4-BE49-F238E27FC236}">
+                <a16:creationId xmlns:a16="http://schemas.microsoft.com/office/drawing/2014/main" id="{7E773333-16E6-044B-B201-E5C39F016EC7}"/>
+              </a:ext>
+            </a:extLst>
+          </p:cNvPr>
+          <p:cNvSpPr>
+            <a:spLocks noGrp="1"/>
+          </p:cNvSpPr>
+          <p:nvPr>
+            <p:ph idx="1"/>
+          </p:nvPr>
+        </p:nvSpPr>
+        <p:spPr>
+          <a:xfrm>
+            <a:off x="6090574" y="2421682"/>
+            <a:ext cx="4977578" cy="3639289"/>
+          </a:xfrm>
+        </p:spPr>
+        <p:txBody>
+          <a:bodyPr anchor="ctr">
+            <a:normAutofit/>
+          </a:bodyPr>
+          <a:lstStyle/>
+          <a:p>
+            <a:r>
+              <a:rPr lang="da-DK" sz="2000" dirty="0">
+                <a:solidFill>
+                  <a:srgbClr val="000000"/>
+                </a:solidFill>
+              </a:rPr>
+              <a:t>Når vi arbejder med computeren på denne måde vil man støde på fejl</a:t>
+            </a:r>
+          </a:p>
+          <a:p>
+            <a:r>
+              <a:rPr lang="da-DK" sz="2000" dirty="0">
+                <a:solidFill>
+                  <a:srgbClr val="000000"/>
+                </a:solidFill>
+              </a:rPr>
+              <a:t>Det er naturligt og noget vi lærer af </a:t>
+            </a:r>
+          </a:p>
+          <a:p>
+            <a:r>
+              <a:rPr lang="da-DK" sz="2000" dirty="0">
+                <a:solidFill>
+                  <a:srgbClr val="000000"/>
+                </a:solidFill>
+              </a:rPr>
+              <a:t>Fejl udbedres </a:t>
+            </a:r>
+            <a:r>
+              <a:rPr lang="da-DK" sz="2000">
+                <a:solidFill>
+                  <a:srgbClr val="000000"/>
+                </a:solidFill>
+              </a:rPr>
+              <a:t>ved skærmdeling</a:t>
+            </a:r>
+            <a:endParaRPr lang="da-DK" sz="2000" dirty="0">
+              <a:solidFill>
+                <a:srgbClr val="000000"/>
+              </a:solidFill>
+            </a:endParaRPr>
+          </a:p>
+        </p:txBody>
+      </p:sp>
+      <p:sp>
+        <p:nvSpPr>
+          <p:cNvPr id="4" name="Tekstfelt 3">
+            <a:extLst>
+              <a:ext uri="{FF2B5EF4-FFF2-40B4-BE49-F238E27FC236}">
+                <a16:creationId xmlns:a16="http://schemas.microsoft.com/office/drawing/2014/main" id="{BC06FDA5-E9C8-D847-A29C-EE9271F86E6D}"/>
+              </a:ext>
+            </a:extLst>
+          </p:cNvPr>
+          <p:cNvSpPr txBox="1"/>
+          <p:nvPr/>
+        </p:nvSpPr>
+        <p:spPr>
+          <a:xfrm>
+            <a:off x="5400675" y="3486150"/>
+            <a:ext cx="184731" cy="369332"/>
+          </a:xfrm>
+          <a:prstGeom prst="rect">
+            <a:avLst/>
+          </a:prstGeom>
+          <a:noFill/>
+        </p:spPr>
+        <p:txBody>
+          <a:bodyPr wrap="none" rtlCol="0">
+            <a:spAutoFit/>
+          </a:bodyPr>
+          <a:lstStyle/>
+          <a:p>
+            <a:endParaRPr lang="da-DK" dirty="0"/>
+          </a:p>
+        </p:txBody>
+      </p:sp>
+    </p:spTree>
+    <p:extLst>
+      <p:ext uri="{BB962C8B-B14F-4D97-AF65-F5344CB8AC3E}">
+        <p14:creationId xmlns:p14="http://schemas.microsoft.com/office/powerpoint/2010/main" val="3759671750"/>
+      </p:ext>
+    </p:extLst>
+  </p:cSld>
+  <p:clrMapOvr>
+    <a:masterClrMapping/>
+  </p:clrMapOvr>
 </p:sld>
 </file>
 

--- a/OCR_workshop.pptx
+++ b/OCR_workshop.pptx
@@ -111,6 +111,11 @@
       </a:defRPr>
     </a:lvl9pPr>
   </p:defaultTextStyle>
+  <p:extLst>
+    <p:ext uri="{EFAFB233-063F-42B5-8137-9DF3F51BA10A}">
+      <p15:sldGuideLst xmlns:p15="http://schemas.microsoft.com/office/powerpoint/2012/main"/>
+    </p:ext>
+  </p:extLst>
 </p:presentation>
 </file>
 
@@ -196,7 +201,7 @@
           <a:p>
             <a:fld id="{225B7ABD-19B1-EC4A-9404-29C1D3E394EC}" type="datetimeFigureOut">
               <a:rPr lang="da-DK" smtClean="0"/>
-              <a:t>04.03.2021</a:t>
+              <a:t>25.10.2021</a:t>
             </a:fld>
             <a:endParaRPr lang="da-DK"/>
           </a:p>
@@ -688,7 +693,7 @@
             <a:fld id="{82EDB8D0-98ED-4B86-9D5F-E61ADC70144D}" type="datetimeFigureOut">
               <a:rPr lang="en-US" smtClean="0"/>
               <a:pPr/>
-              <a:t>3/4/21</a:t>
+              <a:t>10/25/21</a:t>
             </a:fld>
             <a:endParaRPr lang="en-US" dirty="0"/>
           </a:p>
@@ -860,7 +865,7 @@
             <a:fld id="{82EDB8D0-98ED-4B86-9D5F-E61ADC70144D}" type="datetimeFigureOut">
               <a:rPr lang="en-US" smtClean="0"/>
               <a:pPr/>
-              <a:t>3/4/21</a:t>
+              <a:t>10/25/21</a:t>
             </a:fld>
             <a:endParaRPr lang="en-US" dirty="0"/>
           </a:p>
@@ -1042,7 +1047,7 @@
             <a:fld id="{82EDB8D0-98ED-4B86-9D5F-E61ADC70144D}" type="datetimeFigureOut">
               <a:rPr lang="en-US" smtClean="0"/>
               <a:pPr/>
-              <a:t>3/4/21</a:t>
+              <a:t>10/25/21</a:t>
             </a:fld>
             <a:endParaRPr lang="en-US" dirty="0"/>
           </a:p>
@@ -1214,7 +1219,7 @@
             <a:fld id="{82EDB8D0-98ED-4B86-9D5F-E61ADC70144D}" type="datetimeFigureOut">
               <a:rPr lang="en-US" smtClean="0"/>
               <a:pPr/>
-              <a:t>3/4/21</a:t>
+              <a:t>10/25/21</a:t>
             </a:fld>
             <a:endParaRPr lang="en-US" dirty="0"/>
           </a:p>
@@ -1462,7 +1467,7 @@
             <a:fld id="{82EDB8D0-98ED-4B86-9D5F-E61ADC70144D}" type="datetimeFigureOut">
               <a:rPr lang="en-US" smtClean="0"/>
               <a:pPr/>
-              <a:t>3/4/21</a:t>
+              <a:t>10/25/21</a:t>
             </a:fld>
             <a:endParaRPr lang="en-US" dirty="0"/>
           </a:p>
@@ -1696,7 +1701,7 @@
             <a:fld id="{82EDB8D0-98ED-4B86-9D5F-E61ADC70144D}" type="datetimeFigureOut">
               <a:rPr lang="en-US" smtClean="0"/>
               <a:pPr/>
-              <a:t>3/4/21</a:t>
+              <a:t>10/25/21</a:t>
             </a:fld>
             <a:endParaRPr lang="en-US" dirty="0"/>
           </a:p>
@@ -2065,7 +2070,7 @@
             <a:fld id="{82EDB8D0-98ED-4B86-9D5F-E61ADC70144D}" type="datetimeFigureOut">
               <a:rPr lang="en-US" smtClean="0"/>
               <a:pPr/>
-              <a:t>3/4/21</a:t>
+              <a:t>10/25/21</a:t>
             </a:fld>
             <a:endParaRPr lang="en-US" dirty="0"/>
           </a:p>
@@ -2185,7 +2190,7 @@
             <a:fld id="{82EDB8D0-98ED-4B86-9D5F-E61ADC70144D}" type="datetimeFigureOut">
               <a:rPr lang="en-US" smtClean="0"/>
               <a:pPr/>
-              <a:t>3/4/21</a:t>
+              <a:t>10/25/21</a:t>
             </a:fld>
             <a:endParaRPr lang="en-US" dirty="0"/>
           </a:p>
@@ -2282,7 +2287,7 @@
             <a:fld id="{82EDB8D0-98ED-4B86-9D5F-E61ADC70144D}" type="datetimeFigureOut">
               <a:rPr lang="en-US" smtClean="0"/>
               <a:pPr/>
-              <a:t>3/4/21</a:t>
+              <a:t>10/25/21</a:t>
             </a:fld>
             <a:endParaRPr lang="en-US" dirty="0"/>
           </a:p>
@@ -2561,7 +2566,7 @@
             <a:fld id="{82EDB8D0-98ED-4B86-9D5F-E61ADC70144D}" type="datetimeFigureOut">
               <a:rPr lang="en-US" smtClean="0"/>
               <a:pPr/>
-              <a:t>3/4/21</a:t>
+              <a:t>10/25/21</a:t>
             </a:fld>
             <a:endParaRPr lang="en-US" dirty="0"/>
           </a:p>
@@ -2820,7 +2825,7 @@
             <a:fld id="{82EDB8D0-98ED-4B86-9D5F-E61ADC70144D}" type="datetimeFigureOut">
               <a:rPr lang="en-US" smtClean="0"/>
               <a:pPr/>
-              <a:t>3/4/21</a:t>
+              <a:t>10/25/21</a:t>
             </a:fld>
             <a:endParaRPr lang="en-US" dirty="0"/>
           </a:p>
@@ -3035,7 +3040,7 @@
             <a:fld id="{82EDB8D0-98ED-4B86-9D5F-E61ADC70144D}" type="datetimeFigureOut">
               <a:rPr lang="en-US" smtClean="0"/>
               <a:pPr/>
-              <a:t>3/4/21</a:t>
+              <a:t>10/25/21</a:t>
             </a:fld>
             <a:endParaRPr lang="en-US" dirty="0"/>
           </a:p>
@@ -3600,7 +3605,7 @@
         <p:spPr>
           <a:xfrm>
             <a:off x="581173" y="5737899"/>
-            <a:ext cx="4976683" cy="369332"/>
+            <a:ext cx="4658968" cy="369332"/>
           </a:xfrm>
           <a:prstGeom prst="rect">
             <a:avLst/>
@@ -3615,7 +3620,15 @@
           <a:p>
             <a:r>
               <a:rPr lang="da-DK" dirty="0"/>
-              <a:t>Victor Harbo Olesen, AU Library, Nobelparken</a:t>
+              <a:t>Victor Harbo </a:t>
+            </a:r>
+            <a:r>
+              <a:rPr lang="da-DK"/>
+              <a:t>Johnston, </a:t>
+            </a:r>
+            <a:r>
+              <a:rPr lang="da-DK" dirty="0"/>
+              <a:t>AU Library, Nobelparken</a:t>
             </a:r>
           </a:p>
         </p:txBody>

--- a/OCR_workshop.pptx
+++ b/OCR_workshop.pptx
@@ -201,7 +201,7 @@
           <a:p>
             <a:fld id="{225B7ABD-19B1-EC4A-9404-29C1D3E394EC}" type="datetimeFigureOut">
               <a:rPr lang="da-DK" smtClean="0"/>
-              <a:t>25.10.2021</a:t>
+              <a:t>23.11.2021</a:t>
             </a:fld>
             <a:endParaRPr lang="da-DK"/>
           </a:p>
@@ -693,7 +693,7 @@
             <a:fld id="{82EDB8D0-98ED-4B86-9D5F-E61ADC70144D}" type="datetimeFigureOut">
               <a:rPr lang="en-US" smtClean="0"/>
               <a:pPr/>
-              <a:t>10/25/21</a:t>
+              <a:t>11/23/21</a:t>
             </a:fld>
             <a:endParaRPr lang="en-US" dirty="0"/>
           </a:p>
@@ -865,7 +865,7 @@
             <a:fld id="{82EDB8D0-98ED-4B86-9D5F-E61ADC70144D}" type="datetimeFigureOut">
               <a:rPr lang="en-US" smtClean="0"/>
               <a:pPr/>
-              <a:t>10/25/21</a:t>
+              <a:t>11/23/21</a:t>
             </a:fld>
             <a:endParaRPr lang="en-US" dirty="0"/>
           </a:p>
@@ -1047,7 +1047,7 @@
             <a:fld id="{82EDB8D0-98ED-4B86-9D5F-E61ADC70144D}" type="datetimeFigureOut">
               <a:rPr lang="en-US" smtClean="0"/>
               <a:pPr/>
-              <a:t>10/25/21</a:t>
+              <a:t>11/23/21</a:t>
             </a:fld>
             <a:endParaRPr lang="en-US" dirty="0"/>
           </a:p>
@@ -1219,7 +1219,7 @@
             <a:fld id="{82EDB8D0-98ED-4B86-9D5F-E61ADC70144D}" type="datetimeFigureOut">
               <a:rPr lang="en-US" smtClean="0"/>
               <a:pPr/>
-              <a:t>10/25/21</a:t>
+              <a:t>11/23/21</a:t>
             </a:fld>
             <a:endParaRPr lang="en-US" dirty="0"/>
           </a:p>
@@ -1467,7 +1467,7 @@
             <a:fld id="{82EDB8D0-98ED-4B86-9D5F-E61ADC70144D}" type="datetimeFigureOut">
               <a:rPr lang="en-US" smtClean="0"/>
               <a:pPr/>
-              <a:t>10/25/21</a:t>
+              <a:t>11/23/21</a:t>
             </a:fld>
             <a:endParaRPr lang="en-US" dirty="0"/>
           </a:p>
@@ -1701,7 +1701,7 @@
             <a:fld id="{82EDB8D0-98ED-4B86-9D5F-E61ADC70144D}" type="datetimeFigureOut">
               <a:rPr lang="en-US" smtClean="0"/>
               <a:pPr/>
-              <a:t>10/25/21</a:t>
+              <a:t>11/23/21</a:t>
             </a:fld>
             <a:endParaRPr lang="en-US" dirty="0"/>
           </a:p>
@@ -2070,7 +2070,7 @@
             <a:fld id="{82EDB8D0-98ED-4B86-9D5F-E61ADC70144D}" type="datetimeFigureOut">
               <a:rPr lang="en-US" smtClean="0"/>
               <a:pPr/>
-              <a:t>10/25/21</a:t>
+              <a:t>11/23/21</a:t>
             </a:fld>
             <a:endParaRPr lang="en-US" dirty="0"/>
           </a:p>
@@ -2190,7 +2190,7 @@
             <a:fld id="{82EDB8D0-98ED-4B86-9D5F-E61ADC70144D}" type="datetimeFigureOut">
               <a:rPr lang="en-US" smtClean="0"/>
               <a:pPr/>
-              <a:t>10/25/21</a:t>
+              <a:t>11/23/21</a:t>
             </a:fld>
             <a:endParaRPr lang="en-US" dirty="0"/>
           </a:p>
@@ -2287,7 +2287,7 @@
             <a:fld id="{82EDB8D0-98ED-4B86-9D5F-E61ADC70144D}" type="datetimeFigureOut">
               <a:rPr lang="en-US" smtClean="0"/>
               <a:pPr/>
-              <a:t>10/25/21</a:t>
+              <a:t>11/23/21</a:t>
             </a:fld>
             <a:endParaRPr lang="en-US" dirty="0"/>
           </a:p>
@@ -2566,7 +2566,7 @@
             <a:fld id="{82EDB8D0-98ED-4B86-9D5F-E61ADC70144D}" type="datetimeFigureOut">
               <a:rPr lang="en-US" smtClean="0"/>
               <a:pPr/>
-              <a:t>10/25/21</a:t>
+              <a:t>11/23/21</a:t>
             </a:fld>
             <a:endParaRPr lang="en-US" dirty="0"/>
           </a:p>
@@ -2825,7 +2825,7 @@
             <a:fld id="{82EDB8D0-98ED-4B86-9D5F-E61ADC70144D}" type="datetimeFigureOut">
               <a:rPr lang="en-US" smtClean="0"/>
               <a:pPr/>
-              <a:t>10/25/21</a:t>
+              <a:t>11/23/21</a:t>
             </a:fld>
             <a:endParaRPr lang="en-US" dirty="0"/>
           </a:p>
@@ -3040,7 +3040,7 @@
             <a:fld id="{82EDB8D0-98ED-4B86-9D5F-E61ADC70144D}" type="datetimeFigureOut">
               <a:rPr lang="en-US" smtClean="0"/>
               <a:pPr/>
-              <a:t>10/25/21</a:t>
+              <a:t>11/23/21</a:t>
             </a:fld>
             <a:endParaRPr lang="en-US" dirty="0"/>
           </a:p>
@@ -5410,17 +5410,23 @@
                   <a:srgbClr val="000000"/>
                 </a:solidFill>
               </a:rPr>
-              <a:t>Det er naturligt og noget vi lærer af </a:t>
-            </a:r>
-          </a:p>
-          <a:p>
+              <a:t>Det er naturligt, en del </a:t>
+            </a:r>
+            <a:r>
+              <a:rPr lang="da-DK" sz="2000">
+                <a:solidFill>
+                  <a:srgbClr val="000000"/>
+                </a:solidFill>
+              </a:rPr>
+              <a:t>af arbejdsprocessen </a:t>
+            </a:r>
             <a:r>
               <a:rPr lang="da-DK" sz="2000" dirty="0">
                 <a:solidFill>
                   <a:srgbClr val="000000"/>
                 </a:solidFill>
               </a:rPr>
-              <a:t>Fejl udbedres </a:t>
+              <a:t>og noget vi lærer </a:t>
             </a:r>
             <a:r>
               <a:rPr lang="da-DK" sz="2000">
@@ -5428,7 +5434,7 @@
                   <a:srgbClr val="000000"/>
                 </a:solidFill>
               </a:rPr>
-              <a:t>ved skærmdeling</a:t>
+              <a:t>af </a:t>
             </a:r>
             <a:endParaRPr lang="da-DK" sz="2000" dirty="0">
               <a:solidFill>

--- a/OCR_workshop.pptx
+++ b/OCR_workshop.pptx
@@ -201,7 +201,7 @@
           <a:p>
             <a:fld id="{225B7ABD-19B1-EC4A-9404-29C1D3E394EC}" type="datetimeFigureOut">
               <a:rPr lang="da-DK" smtClean="0"/>
-              <a:t>23.11.2021</a:t>
+              <a:t>05.05.2022</a:t>
             </a:fld>
             <a:endParaRPr lang="da-DK"/>
           </a:p>
@@ -693,7 +693,7 @@
             <a:fld id="{82EDB8D0-98ED-4B86-9D5F-E61ADC70144D}" type="datetimeFigureOut">
               <a:rPr lang="en-US" smtClean="0"/>
               <a:pPr/>
-              <a:t>11/23/21</a:t>
+              <a:t>5/5/22</a:t>
             </a:fld>
             <a:endParaRPr lang="en-US" dirty="0"/>
           </a:p>
@@ -865,7 +865,7 @@
             <a:fld id="{82EDB8D0-98ED-4B86-9D5F-E61ADC70144D}" type="datetimeFigureOut">
               <a:rPr lang="en-US" smtClean="0"/>
               <a:pPr/>
-              <a:t>11/23/21</a:t>
+              <a:t>5/5/22</a:t>
             </a:fld>
             <a:endParaRPr lang="en-US" dirty="0"/>
           </a:p>
@@ -1047,7 +1047,7 @@
             <a:fld id="{82EDB8D0-98ED-4B86-9D5F-E61ADC70144D}" type="datetimeFigureOut">
               <a:rPr lang="en-US" smtClean="0"/>
               <a:pPr/>
-              <a:t>11/23/21</a:t>
+              <a:t>5/5/22</a:t>
             </a:fld>
             <a:endParaRPr lang="en-US" dirty="0"/>
           </a:p>
@@ -1219,7 +1219,7 @@
             <a:fld id="{82EDB8D0-98ED-4B86-9D5F-E61ADC70144D}" type="datetimeFigureOut">
               <a:rPr lang="en-US" smtClean="0"/>
               <a:pPr/>
-              <a:t>11/23/21</a:t>
+              <a:t>5/5/22</a:t>
             </a:fld>
             <a:endParaRPr lang="en-US" dirty="0"/>
           </a:p>
@@ -1467,7 +1467,7 @@
             <a:fld id="{82EDB8D0-98ED-4B86-9D5F-E61ADC70144D}" type="datetimeFigureOut">
               <a:rPr lang="en-US" smtClean="0"/>
               <a:pPr/>
-              <a:t>11/23/21</a:t>
+              <a:t>5/5/22</a:t>
             </a:fld>
             <a:endParaRPr lang="en-US" dirty="0"/>
           </a:p>
@@ -1701,7 +1701,7 @@
             <a:fld id="{82EDB8D0-98ED-4B86-9D5F-E61ADC70144D}" type="datetimeFigureOut">
               <a:rPr lang="en-US" smtClean="0"/>
               <a:pPr/>
-              <a:t>11/23/21</a:t>
+              <a:t>5/5/22</a:t>
             </a:fld>
             <a:endParaRPr lang="en-US" dirty="0"/>
           </a:p>
@@ -2070,7 +2070,7 @@
             <a:fld id="{82EDB8D0-98ED-4B86-9D5F-E61ADC70144D}" type="datetimeFigureOut">
               <a:rPr lang="en-US" smtClean="0"/>
               <a:pPr/>
-              <a:t>11/23/21</a:t>
+              <a:t>5/5/22</a:t>
             </a:fld>
             <a:endParaRPr lang="en-US" dirty="0"/>
           </a:p>
@@ -2190,7 +2190,7 @@
             <a:fld id="{82EDB8D0-98ED-4B86-9D5F-E61ADC70144D}" type="datetimeFigureOut">
               <a:rPr lang="en-US" smtClean="0"/>
               <a:pPr/>
-              <a:t>11/23/21</a:t>
+              <a:t>5/5/22</a:t>
             </a:fld>
             <a:endParaRPr lang="en-US" dirty="0"/>
           </a:p>
@@ -2287,7 +2287,7 @@
             <a:fld id="{82EDB8D0-98ED-4B86-9D5F-E61ADC70144D}" type="datetimeFigureOut">
               <a:rPr lang="en-US" smtClean="0"/>
               <a:pPr/>
-              <a:t>11/23/21</a:t>
+              <a:t>5/5/22</a:t>
             </a:fld>
             <a:endParaRPr lang="en-US" dirty="0"/>
           </a:p>
@@ -2566,7 +2566,7 @@
             <a:fld id="{82EDB8D0-98ED-4B86-9D5F-E61ADC70144D}" type="datetimeFigureOut">
               <a:rPr lang="en-US" smtClean="0"/>
               <a:pPr/>
-              <a:t>11/23/21</a:t>
+              <a:t>5/5/22</a:t>
             </a:fld>
             <a:endParaRPr lang="en-US" dirty="0"/>
           </a:p>
@@ -2825,7 +2825,7 @@
             <a:fld id="{82EDB8D0-98ED-4B86-9D5F-E61ADC70144D}" type="datetimeFigureOut">
               <a:rPr lang="en-US" smtClean="0"/>
               <a:pPr/>
-              <a:t>11/23/21</a:t>
+              <a:t>5/5/22</a:t>
             </a:fld>
             <a:endParaRPr lang="en-US" dirty="0"/>
           </a:p>
@@ -3040,7 +3040,7 @@
             <a:fld id="{82EDB8D0-98ED-4B86-9D5F-E61ADC70144D}" type="datetimeFigureOut">
               <a:rPr lang="en-US" smtClean="0"/>
               <a:pPr/>
-              <a:t>11/23/21</a:t>
+              <a:t>5/5/22</a:t>
             </a:fld>
             <a:endParaRPr lang="en-US" dirty="0"/>
           </a:p>
@@ -3963,21 +3963,42 @@
           <a:lstStyle/>
           <a:p>
             <a:r>
+              <a:rPr lang="da-DK" sz="1800" dirty="0"/>
+              <a:t>Introduktion</a:t>
+            </a:r>
+          </a:p>
+          <a:p>
+            <a:r>
+              <a:rPr lang="da-DK" sz="1800" dirty="0"/>
+              <a:t>Installation af </a:t>
+            </a:r>
+            <a:r>
+              <a:rPr lang="da-DK" sz="1800" dirty="0" err="1"/>
+              <a:t>OCRmyPDF</a:t>
+            </a:r>
+            <a:endParaRPr lang="da-DK" sz="1800" dirty="0"/>
+          </a:p>
+          <a:p>
+            <a:r>
+              <a:rPr lang="da-DK" sz="1800" dirty="0"/>
+              <a:t>Find rundt på din computer </a:t>
+            </a:r>
+            <a:r>
               <a:rPr lang="da-DK" sz="1800"/>
-              <a:t>Introduktion på PowerPoint</a:t>
-            </a:r>
-          </a:p>
-          <a:p>
-            <a:r>
-              <a:rPr lang="da-DK" sz="1800"/>
-              <a:t>Installation af OCRmyPDF</a:t>
-            </a:r>
-          </a:p>
-          <a:p>
-            <a:r>
-              <a:rPr lang="da-DK" sz="1800"/>
-              <a:t>Hands on med OCRmyPDF</a:t>
-            </a:r>
+              <a:t>gennem Command Line</a:t>
+            </a:r>
+            <a:endParaRPr lang="da-DK" sz="1800" dirty="0"/>
+          </a:p>
+          <a:p>
+            <a:r>
+              <a:rPr lang="da-DK" sz="1800" dirty="0"/>
+              <a:t>Hands on med </a:t>
+            </a:r>
+            <a:r>
+              <a:rPr lang="da-DK" sz="1800" dirty="0" err="1"/>
+              <a:t>OCRmyPDF</a:t>
+            </a:r>
+            <a:endParaRPr lang="da-DK" sz="1800" dirty="0"/>
           </a:p>
         </p:txBody>
       </p:sp>

--- a/OCR_workshop.pptx
+++ b/OCR_workshop.pptx
@@ -5,7 +5,7 @@
     <p:sldMasterId id="2147483723" r:id="rId1"/>
   </p:sldMasterIdLst>
   <p:notesMasterIdLst>
-    <p:notesMasterId r:id="rId7"/>
+    <p:notesMasterId r:id="rId8"/>
   </p:notesMasterIdLst>
   <p:sldIdLst>
     <p:sldId id="256" r:id="rId2"/>
@@ -13,6 +13,7 @@
     <p:sldId id="257" r:id="rId4"/>
     <p:sldId id="259" r:id="rId5"/>
     <p:sldId id="260" r:id="rId6"/>
+    <p:sldId id="261" r:id="rId7"/>
   </p:sldIdLst>
   <p:sldSz cx="12192000" cy="6858000"/>
   <p:notesSz cx="6858000" cy="9144000"/>
@@ -5501,6 +5502,582 @@
     <p:extLst>
       <p:ext uri="{BB962C8B-B14F-4D97-AF65-F5344CB8AC3E}">
         <p14:creationId xmlns:p14="http://schemas.microsoft.com/office/powerpoint/2010/main" val="3759671750"/>
+      </p:ext>
+    </p:extLst>
+  </p:cSld>
+  <p:clrMapOvr>
+    <a:masterClrMapping/>
+  </p:clrMapOvr>
+</p:sld>
+</file>
+
+<file path=ppt/slides/slide6.xml><?xml version="1.0" encoding="utf-8"?>
+<p:sld xmlns:a="http://schemas.openxmlformats.org/drawingml/2006/main" xmlns:r="http://schemas.openxmlformats.org/officeDocument/2006/relationships" xmlns:p="http://schemas.openxmlformats.org/presentationml/2006/main">
+  <p:cSld>
+    <p:bg>
+      <p:bgPr>
+        <a:solidFill>
+          <a:schemeClr val="bg1"/>
+        </a:solidFill>
+        <a:effectLst/>
+      </p:bgPr>
+    </p:bg>
+    <p:spTree>
+      <p:nvGrpSpPr>
+        <p:cNvPr id="1" name=""/>
+        <p:cNvGrpSpPr/>
+        <p:nvPr/>
+      </p:nvGrpSpPr>
+      <p:grpSpPr>
+        <a:xfrm>
+          <a:off x="0" y="0"/>
+          <a:ext cx="0" cy="0"/>
+          <a:chOff x="0" y="0"/>
+          <a:chExt cx="0" cy="0"/>
+        </a:xfrm>
+      </p:grpSpPr>
+      <p:sp useBgFill="1">
+        <p:nvSpPr>
+          <p:cNvPr id="8" name="Rectangle 7">
+            <a:extLst>
+              <a:ext uri="{FF2B5EF4-FFF2-40B4-BE49-F238E27FC236}">
+                <a16:creationId xmlns:a16="http://schemas.microsoft.com/office/drawing/2014/main" id="{76EFD3D9-44F0-4267-BCC1-1613E79D8274}"/>
+              </a:ext>
+              <a:ext uri="{C183D7F6-B498-43B3-948B-1728B52AA6E4}">
+                <adec:decorative xmlns:adec="http://schemas.microsoft.com/office/drawing/2017/decorative" val="1"/>
+              </a:ext>
+            </a:extLst>
+          </p:cNvPr>
+          <p:cNvSpPr>
+            <a:spLocks noGrp="1" noRot="1" noChangeAspect="1" noMove="1" noResize="1" noEditPoints="1" noAdjustHandles="1" noChangeArrowheads="1" noChangeShapeType="1" noTextEdit="1"/>
+          </p:cNvSpPr>
+          <p:nvPr>
+            <p:extLst>
+              <p:ext uri="{386F3935-93C4-4BCD-93E2-E3B085C9AB24}">
+                <p16:designElem xmlns:p16="http://schemas.microsoft.com/office/powerpoint/2015/main" val="1"/>
+              </p:ext>
+            </p:extLst>
+          </p:nvPr>
+        </p:nvSpPr>
+        <p:spPr>
+          <a:xfrm>
+            <a:off x="0" y="0"/>
+            <a:ext cx="12188952" cy="6858000"/>
+          </a:xfrm>
+          <a:prstGeom prst="rect">
+            <a:avLst/>
+          </a:prstGeom>
+          <a:ln>
+            <a:noFill/>
+          </a:ln>
+        </p:spPr>
+        <p:style>
+          <a:lnRef idx="2">
+            <a:schemeClr val="accent1">
+              <a:shade val="50000"/>
+            </a:schemeClr>
+          </a:lnRef>
+          <a:fillRef idx="1">
+            <a:schemeClr val="accent1"/>
+          </a:fillRef>
+          <a:effectRef idx="0">
+            <a:schemeClr val="accent1"/>
+          </a:effectRef>
+          <a:fontRef idx="minor">
+            <a:schemeClr val="lt1"/>
+          </a:fontRef>
+        </p:style>
+        <p:txBody>
+          <a:bodyPr rtlCol="0" anchor="ctr"/>
+          <a:lstStyle/>
+          <a:p>
+            <a:pPr algn="ctr"/>
+            <a:endParaRPr lang="en-US"/>
+          </a:p>
+        </p:txBody>
+      </p:sp>
+      <p:sp>
+        <p:nvSpPr>
+          <p:cNvPr id="10" name="Freeform 6">
+            <a:extLst>
+              <a:ext uri="{FF2B5EF4-FFF2-40B4-BE49-F238E27FC236}">
+                <a16:creationId xmlns:a16="http://schemas.microsoft.com/office/drawing/2014/main" id="{A779A851-95D6-41AF-937A-B0E4B7F6FA8D}"/>
+              </a:ext>
+              <a:ext uri="{C183D7F6-B498-43B3-948B-1728B52AA6E4}">
+                <adec:decorative xmlns:adec="http://schemas.microsoft.com/office/drawing/2017/decorative" val="1"/>
+              </a:ext>
+            </a:extLst>
+          </p:cNvPr>
+          <p:cNvSpPr>
+            <a:spLocks noGrp="1" noRot="1" noChangeAspect="1" noMove="1" noResize="1" noEditPoints="1" noAdjustHandles="1" noChangeArrowheads="1" noChangeShapeType="1" noTextEdit="1"/>
+          </p:cNvSpPr>
+          <p:nvPr>
+            <p:extLst>
+              <p:ext uri="{386F3935-93C4-4BCD-93E2-E3B085C9AB24}">
+                <p16:designElem xmlns:p16="http://schemas.microsoft.com/office/powerpoint/2015/main" val="1"/>
+              </p:ext>
+            </p:extLst>
+          </p:nvPr>
+        </p:nvSpPr>
+        <p:spPr bwMode="auto">
+          <a:xfrm>
+            <a:off x="4142164" y="900814"/>
+            <a:ext cx="759618" cy="5710965"/>
+          </a:xfrm>
+          <a:custGeom>
+            <a:avLst/>
+            <a:gdLst>
+              <a:gd name="T0" fmla="*/ 414 w 414"/>
+              <a:gd name="T1" fmla="*/ 2447 h 2447"/>
+              <a:gd name="T2" fmla="*/ 0 w 414"/>
+              <a:gd name="T3" fmla="*/ 2247 h 2447"/>
+              <a:gd name="T4" fmla="*/ 0 w 414"/>
+              <a:gd name="T5" fmla="*/ 0 h 2447"/>
+              <a:gd name="T6" fmla="*/ 414 w 414"/>
+              <a:gd name="T7" fmla="*/ 200 h 2447"/>
+              <a:gd name="T8" fmla="*/ 414 w 414"/>
+              <a:gd name="T9" fmla="*/ 2447 h 2447"/>
+            </a:gdLst>
+            <a:ahLst/>
+            <a:cxnLst>
+              <a:cxn ang="0">
+                <a:pos x="T0" y="T1"/>
+              </a:cxn>
+              <a:cxn ang="0">
+                <a:pos x="T2" y="T3"/>
+              </a:cxn>
+              <a:cxn ang="0">
+                <a:pos x="T4" y="T5"/>
+              </a:cxn>
+              <a:cxn ang="0">
+                <a:pos x="T6" y="T7"/>
+              </a:cxn>
+              <a:cxn ang="0">
+                <a:pos x="T8" y="T9"/>
+              </a:cxn>
+            </a:cxnLst>
+            <a:rect l="0" t="0" r="r" b="b"/>
+            <a:pathLst>
+              <a:path w="414" h="2447">
+                <a:moveTo>
+                  <a:pt x="414" y="2447"/>
+                </a:moveTo>
+                <a:lnTo>
+                  <a:pt x="0" y="2247"/>
+                </a:lnTo>
+                <a:lnTo>
+                  <a:pt x="0" y="0"/>
+                </a:lnTo>
+                <a:lnTo>
+                  <a:pt x="414" y="200"/>
+                </a:lnTo>
+                <a:lnTo>
+                  <a:pt x="414" y="2447"/>
+                </a:lnTo>
+                <a:close/>
+              </a:path>
+            </a:pathLst>
+          </a:custGeom>
+          <a:solidFill>
+            <a:schemeClr val="accent1">
+              <a:lumMod val="75000"/>
+            </a:schemeClr>
+          </a:solidFill>
+          <a:ln>
+            <a:noFill/>
+          </a:ln>
+        </p:spPr>
+        <p:txBody>
+          <a:bodyPr vert="horz" wrap="square" lIns="91440" tIns="45720" rIns="91440" bIns="45720" numCol="1" anchor="t" anchorCtr="0" compatLnSpc="1">
+            <a:prstTxWarp prst="textNoShape">
+              <a:avLst/>
+            </a:prstTxWarp>
+          </a:bodyPr>
+          <a:lstStyle/>
+          <a:p>
+            <a:endParaRPr lang="en-US"/>
+          </a:p>
+        </p:txBody>
+      </p:sp>
+      <p:sp>
+        <p:nvSpPr>
+          <p:cNvPr id="12" name="Freeform 7">
+            <a:extLst>
+              <a:ext uri="{FF2B5EF4-FFF2-40B4-BE49-F238E27FC236}">
+                <a16:creationId xmlns:a16="http://schemas.microsoft.com/office/drawing/2014/main" id="{953FB2E7-B6CB-429C-81EB-D9516D6D5C8D}"/>
+              </a:ext>
+              <a:ext uri="{C183D7F6-B498-43B3-948B-1728B52AA6E4}">
+                <adec:decorative xmlns:adec="http://schemas.microsoft.com/office/drawing/2017/decorative" val="1"/>
+              </a:ext>
+            </a:extLst>
+          </p:cNvPr>
+          <p:cNvSpPr>
+            <a:spLocks noGrp="1" noRot="1" noChangeAspect="1" noMove="1" noResize="1" noEditPoints="1" noAdjustHandles="1" noChangeArrowheads="1" noChangeShapeType="1" noTextEdit="1"/>
+          </p:cNvSpPr>
+          <p:nvPr>
+            <p:extLst>
+              <p:ext uri="{386F3935-93C4-4BCD-93E2-E3B085C9AB24}">
+                <p16:designElem xmlns:p16="http://schemas.microsoft.com/office/powerpoint/2015/main" val="1"/>
+              </p:ext>
+            </p:extLst>
+          </p:nvPr>
+        </p:nvSpPr>
+        <p:spPr bwMode="auto">
+          <a:xfrm>
+            <a:off x="4144437" y="633165"/>
+            <a:ext cx="482654" cy="5521414"/>
+          </a:xfrm>
+          <a:custGeom>
+            <a:avLst/>
+            <a:gdLst>
+              <a:gd name="T0" fmla="*/ 209 w 209"/>
+              <a:gd name="T1" fmla="*/ 2246 h 2358"/>
+              <a:gd name="T2" fmla="*/ 0 w 209"/>
+              <a:gd name="T3" fmla="*/ 2358 h 2358"/>
+              <a:gd name="T4" fmla="*/ 0 w 209"/>
+              <a:gd name="T5" fmla="*/ 111 h 2358"/>
+              <a:gd name="T6" fmla="*/ 209 w 209"/>
+              <a:gd name="T7" fmla="*/ 0 h 2358"/>
+              <a:gd name="T8" fmla="*/ 209 w 209"/>
+              <a:gd name="T9" fmla="*/ 2246 h 2358"/>
+            </a:gdLst>
+            <a:ahLst/>
+            <a:cxnLst>
+              <a:cxn ang="0">
+                <a:pos x="T0" y="T1"/>
+              </a:cxn>
+              <a:cxn ang="0">
+                <a:pos x="T2" y="T3"/>
+              </a:cxn>
+              <a:cxn ang="0">
+                <a:pos x="T4" y="T5"/>
+              </a:cxn>
+              <a:cxn ang="0">
+                <a:pos x="T6" y="T7"/>
+              </a:cxn>
+              <a:cxn ang="0">
+                <a:pos x="T8" y="T9"/>
+              </a:cxn>
+            </a:cxnLst>
+            <a:rect l="0" t="0" r="r" b="b"/>
+            <a:pathLst>
+              <a:path w="209" h="2358">
+                <a:moveTo>
+                  <a:pt x="209" y="2246"/>
+                </a:moveTo>
+                <a:lnTo>
+                  <a:pt x="0" y="2358"/>
+                </a:lnTo>
+                <a:lnTo>
+                  <a:pt x="0" y="111"/>
+                </a:lnTo>
+                <a:lnTo>
+                  <a:pt x="209" y="0"/>
+                </a:lnTo>
+                <a:lnTo>
+                  <a:pt x="209" y="2246"/>
+                </a:lnTo>
+                <a:close/>
+              </a:path>
+            </a:pathLst>
+          </a:custGeom>
+          <a:solidFill>
+            <a:schemeClr val="accent1">
+              <a:lumMod val="50000"/>
+            </a:schemeClr>
+          </a:solidFill>
+          <a:ln>
+            <a:noFill/>
+          </a:ln>
+        </p:spPr>
+        <p:txBody>
+          <a:bodyPr vert="horz" wrap="square" lIns="91440" tIns="45720" rIns="91440" bIns="45720" numCol="1" anchor="t" anchorCtr="0" compatLnSpc="1">
+            <a:prstTxWarp prst="textNoShape">
+              <a:avLst/>
+            </a:prstTxWarp>
+          </a:bodyPr>
+          <a:lstStyle/>
+          <a:p>
+            <a:endParaRPr lang="en-US"/>
+          </a:p>
+        </p:txBody>
+      </p:sp>
+      <p:sp>
+        <p:nvSpPr>
+          <p:cNvPr id="14" name="Freeform: Shape 13">
+            <a:extLst>
+              <a:ext uri="{FF2B5EF4-FFF2-40B4-BE49-F238E27FC236}">
+                <a16:creationId xmlns:a16="http://schemas.microsoft.com/office/drawing/2014/main" id="{2EC40DB1-B719-4A13-9A4D-0966B4B27866}"/>
+              </a:ext>
+              <a:ext uri="{C183D7F6-B498-43B3-948B-1728B52AA6E4}">
+                <adec:decorative xmlns:adec="http://schemas.microsoft.com/office/drawing/2017/decorative" val="1"/>
+              </a:ext>
+            </a:extLst>
+          </p:cNvPr>
+          <p:cNvSpPr>
+            <a:spLocks noGrp="1" noRot="1" noChangeAspect="1" noMove="1" noResize="1" noEditPoints="1" noAdjustHandles="1" noChangeArrowheads="1" noChangeShapeType="1" noTextEdit="1"/>
+          </p:cNvSpPr>
+          <p:nvPr>
+            <p:extLst>
+              <p:ext uri="{386F3935-93C4-4BCD-93E2-E3B085C9AB24}">
+                <p16:designElem xmlns:p16="http://schemas.microsoft.com/office/powerpoint/2015/main" val="1"/>
+              </p:ext>
+            </p:extLst>
+          </p:nvPr>
+        </p:nvSpPr>
+        <p:spPr>
+          <a:xfrm>
+            <a:off x="634621" y="636723"/>
+            <a:ext cx="4000062" cy="5257799"/>
+          </a:xfrm>
+          <a:custGeom>
+            <a:avLst/>
+            <a:gdLst>
+              <a:gd name="connsiteX0" fmla="*/ 0 w 4634682"/>
+              <a:gd name="connsiteY0" fmla="*/ 0 h 5257799"/>
+              <a:gd name="connsiteX1" fmla="*/ 4634682 w 4634682"/>
+              <a:gd name="connsiteY1" fmla="*/ 0 h 5257799"/>
+              <a:gd name="connsiteX2" fmla="*/ 4634682 w 4634682"/>
+              <a:gd name="connsiteY2" fmla="*/ 5257799 h 5257799"/>
+              <a:gd name="connsiteX3" fmla="*/ 0 w 4634682"/>
+              <a:gd name="connsiteY3" fmla="*/ 5257799 h 5257799"/>
+            </a:gdLst>
+            <a:ahLst/>
+            <a:cxnLst>
+              <a:cxn ang="0">
+                <a:pos x="connsiteX0" y="connsiteY0"/>
+              </a:cxn>
+              <a:cxn ang="0">
+                <a:pos x="connsiteX1" y="connsiteY1"/>
+              </a:cxn>
+              <a:cxn ang="0">
+                <a:pos x="connsiteX2" y="connsiteY2"/>
+              </a:cxn>
+              <a:cxn ang="0">
+                <a:pos x="connsiteX3" y="connsiteY3"/>
+              </a:cxn>
+            </a:cxnLst>
+            <a:rect l="l" t="t" r="r" b="b"/>
+            <a:pathLst>
+              <a:path w="4634682" h="5257799">
+                <a:moveTo>
+                  <a:pt x="0" y="0"/>
+                </a:moveTo>
+                <a:lnTo>
+                  <a:pt x="4634682" y="0"/>
+                </a:lnTo>
+                <a:lnTo>
+                  <a:pt x="4634682" y="5257799"/>
+                </a:lnTo>
+                <a:lnTo>
+                  <a:pt x="0" y="5257799"/>
+                </a:lnTo>
+                <a:close/>
+              </a:path>
+            </a:pathLst>
+          </a:custGeom>
+          <a:solidFill>
+            <a:schemeClr val="accent1">
+              <a:lumMod val="50000"/>
+            </a:schemeClr>
+          </a:solidFill>
+          <a:ln>
+            <a:noFill/>
+          </a:ln>
+        </p:spPr>
+        <p:style>
+          <a:lnRef idx="2">
+            <a:schemeClr val="accent1">
+              <a:shade val="50000"/>
+            </a:schemeClr>
+          </a:lnRef>
+          <a:fillRef idx="1">
+            <a:schemeClr val="accent1"/>
+          </a:fillRef>
+          <a:effectRef idx="0">
+            <a:schemeClr val="accent1"/>
+          </a:effectRef>
+          <a:fontRef idx="minor">
+            <a:schemeClr val="lt1"/>
+          </a:fontRef>
+        </p:style>
+        <p:txBody>
+          <a:bodyPr wrap="square" rtlCol="0" anchor="ctr">
+            <a:noAutofit/>
+          </a:bodyPr>
+          <a:lstStyle/>
+          <a:p>
+            <a:pPr algn="ctr"/>
+            <a:endParaRPr lang="en-US"/>
+          </a:p>
+        </p:txBody>
+      </p:sp>
+      <p:sp>
+        <p:nvSpPr>
+          <p:cNvPr id="2" name="Titel 1">
+            <a:extLst>
+              <a:ext uri="{FF2B5EF4-FFF2-40B4-BE49-F238E27FC236}">
+                <a16:creationId xmlns:a16="http://schemas.microsoft.com/office/drawing/2014/main" id="{241F2436-A280-D90D-A19F-D9346CCFF45F}"/>
+              </a:ext>
+            </a:extLst>
+          </p:cNvPr>
+          <p:cNvSpPr>
+            <a:spLocks noGrp="1"/>
+          </p:cNvSpPr>
+          <p:nvPr>
+            <p:ph type="title"/>
+          </p:nvPr>
+        </p:nvSpPr>
+        <p:spPr>
+          <a:xfrm>
+            <a:off x="934872" y="982272"/>
+            <a:ext cx="3388419" cy="4560970"/>
+          </a:xfrm>
+        </p:spPr>
+        <p:txBody>
+          <a:bodyPr>
+            <a:normAutofit/>
+          </a:bodyPr>
+          <a:lstStyle/>
+          <a:p>
+            <a:r>
+              <a:rPr lang="da-DK" sz="4000">
+                <a:solidFill>
+                  <a:srgbClr val="FFFFFF"/>
+                </a:solidFill>
+              </a:rPr>
+              <a:t>Link til materiale:</a:t>
+            </a:r>
+          </a:p>
+        </p:txBody>
+      </p:sp>
+      <p:sp>
+        <p:nvSpPr>
+          <p:cNvPr id="16" name="Rectangle 8">
+            <a:extLst>
+              <a:ext uri="{FF2B5EF4-FFF2-40B4-BE49-F238E27FC236}">
+                <a16:creationId xmlns:a16="http://schemas.microsoft.com/office/drawing/2014/main" id="{82211336-CFF3-412D-868A-6679C1004C45}"/>
+              </a:ext>
+              <a:ext uri="{C183D7F6-B498-43B3-948B-1728B52AA6E4}">
+                <adec:decorative xmlns:adec="http://schemas.microsoft.com/office/drawing/2017/decorative" val="1"/>
+              </a:ext>
+            </a:extLst>
+          </p:cNvPr>
+          <p:cNvSpPr>
+            <a:spLocks noGrp="1" noRot="1" noChangeAspect="1" noMove="1" noResize="1" noEditPoints="1" noAdjustHandles="1" noChangeArrowheads="1" noChangeShapeType="1" noTextEdit="1"/>
+          </p:cNvSpPr>
+          <p:nvPr>
+            <p:extLst>
+              <p:ext uri="{386F3935-93C4-4BCD-93E2-E3B085C9AB24}">
+                <p16:designElem xmlns:p16="http://schemas.microsoft.com/office/powerpoint/2015/main" val="1"/>
+              </p:ext>
+            </p:extLst>
+          </p:nvPr>
+        </p:nvSpPr>
+        <p:spPr bwMode="auto">
+          <a:xfrm>
+            <a:off x="4901782" y="1352302"/>
+            <a:ext cx="6655597" cy="5251646"/>
+          </a:xfrm>
+          <a:prstGeom prst="rect">
+            <a:avLst/>
+          </a:prstGeom>
+          <a:solidFill>
+            <a:schemeClr val="accent1"/>
+          </a:solidFill>
+          <a:ln>
+            <a:noFill/>
+          </a:ln>
+        </p:spPr>
+        <p:txBody>
+          <a:bodyPr vert="horz" wrap="square" lIns="91440" tIns="45720" rIns="91440" bIns="45720" numCol="1" anchor="t" anchorCtr="0" compatLnSpc="1">
+            <a:prstTxWarp prst="textNoShape">
+              <a:avLst/>
+            </a:prstTxWarp>
+          </a:bodyPr>
+          <a:lstStyle/>
+          <a:p>
+            <a:endParaRPr lang="en-US"/>
+          </a:p>
+        </p:txBody>
+      </p:sp>
+      <p:sp>
+        <p:nvSpPr>
+          <p:cNvPr id="3" name="Pladsholder til indhold 2">
+            <a:extLst>
+              <a:ext uri="{FF2B5EF4-FFF2-40B4-BE49-F238E27FC236}">
+                <a16:creationId xmlns:a16="http://schemas.microsoft.com/office/drawing/2014/main" id="{657002B5-AE2F-57D3-92B1-8AF4621156CF}"/>
+              </a:ext>
+            </a:extLst>
+          </p:cNvPr>
+          <p:cNvSpPr>
+            <a:spLocks noGrp="1"/>
+          </p:cNvSpPr>
+          <p:nvPr>
+            <p:ph idx="1"/>
+          </p:nvPr>
+        </p:nvSpPr>
+        <p:spPr>
+          <a:xfrm>
+            <a:off x="5221862" y="1719618"/>
+            <a:ext cx="5948831" cy="4334629"/>
+          </a:xfrm>
+        </p:spPr>
+        <p:txBody>
+          <a:bodyPr anchor="ctr">
+            <a:normAutofit/>
+          </a:bodyPr>
+          <a:lstStyle/>
+          <a:p>
+            <a:pPr marL="0" indent="0">
+              <a:buNone/>
+            </a:pPr>
+            <a:endParaRPr lang="da-DK" sz="2400" dirty="0">
+              <a:solidFill>
+                <a:srgbClr val="FEFFFF"/>
+              </a:solidFill>
+            </a:endParaRPr>
+          </a:p>
+          <a:p>
+            <a:pPr marL="0" indent="0">
+              <a:buNone/>
+            </a:pPr>
+            <a:r>
+              <a:rPr lang="da-DK" sz="2400" dirty="0" err="1">
+                <a:solidFill>
+                  <a:srgbClr val="FEFFFF"/>
+                </a:solidFill>
+              </a:rPr>
+              <a:t>bit.ly</a:t>
+            </a:r>
+            <a:r>
+              <a:rPr lang="da-DK" sz="2400" dirty="0">
+                <a:solidFill>
+                  <a:srgbClr val="FEFFFF"/>
+                </a:solidFill>
+              </a:rPr>
+              <a:t>/</a:t>
+            </a:r>
+            <a:r>
+              <a:rPr lang="da-DK" sz="2400" dirty="0" err="1">
+                <a:solidFill>
+                  <a:srgbClr val="FEFFFF"/>
+                </a:solidFill>
+              </a:rPr>
+              <a:t>workshop_ocr</a:t>
+            </a:r>
+            <a:endParaRPr lang="da-DK" sz="2400" dirty="0">
+              <a:solidFill>
+                <a:srgbClr val="FEFFFF"/>
+              </a:solidFill>
+            </a:endParaRPr>
+          </a:p>
+        </p:txBody>
+      </p:sp>
+    </p:spTree>
+    <p:extLst>
+      <p:ext uri="{BB962C8B-B14F-4D97-AF65-F5344CB8AC3E}">
+        <p14:creationId xmlns:p14="http://schemas.microsoft.com/office/powerpoint/2010/main" val="3532865556"/>
       </p:ext>
     </p:extLst>
   </p:cSld>

--- a/OCR_workshop.pptx
+++ b/OCR_workshop.pptx
@@ -202,7 +202,7 @@
           <a:p>
             <a:fld id="{225B7ABD-19B1-EC4A-9404-29C1D3E394EC}" type="datetimeFigureOut">
               <a:rPr lang="da-DK" smtClean="0"/>
-              <a:t>05.05.2022</a:t>
+              <a:t>20.09.2022</a:t>
             </a:fld>
             <a:endParaRPr lang="da-DK"/>
           </a:p>
@@ -694,7 +694,7 @@
             <a:fld id="{82EDB8D0-98ED-4B86-9D5F-E61ADC70144D}" type="datetimeFigureOut">
               <a:rPr lang="en-US" smtClean="0"/>
               <a:pPr/>
-              <a:t>5/5/22</a:t>
+              <a:t>9/20/22</a:t>
             </a:fld>
             <a:endParaRPr lang="en-US" dirty="0"/>
           </a:p>
@@ -866,7 +866,7 @@
             <a:fld id="{82EDB8D0-98ED-4B86-9D5F-E61ADC70144D}" type="datetimeFigureOut">
               <a:rPr lang="en-US" smtClean="0"/>
               <a:pPr/>
-              <a:t>5/5/22</a:t>
+              <a:t>9/20/22</a:t>
             </a:fld>
             <a:endParaRPr lang="en-US" dirty="0"/>
           </a:p>
@@ -1048,7 +1048,7 @@
             <a:fld id="{82EDB8D0-98ED-4B86-9D5F-E61ADC70144D}" type="datetimeFigureOut">
               <a:rPr lang="en-US" smtClean="0"/>
               <a:pPr/>
-              <a:t>5/5/22</a:t>
+              <a:t>9/20/22</a:t>
             </a:fld>
             <a:endParaRPr lang="en-US" dirty="0"/>
           </a:p>
@@ -1220,7 +1220,7 @@
             <a:fld id="{82EDB8D0-98ED-4B86-9D5F-E61ADC70144D}" type="datetimeFigureOut">
               <a:rPr lang="en-US" smtClean="0"/>
               <a:pPr/>
-              <a:t>5/5/22</a:t>
+              <a:t>9/20/22</a:t>
             </a:fld>
             <a:endParaRPr lang="en-US" dirty="0"/>
           </a:p>
@@ -1468,7 +1468,7 @@
             <a:fld id="{82EDB8D0-98ED-4B86-9D5F-E61ADC70144D}" type="datetimeFigureOut">
               <a:rPr lang="en-US" smtClean="0"/>
               <a:pPr/>
-              <a:t>5/5/22</a:t>
+              <a:t>9/20/22</a:t>
             </a:fld>
             <a:endParaRPr lang="en-US" dirty="0"/>
           </a:p>
@@ -1702,7 +1702,7 @@
             <a:fld id="{82EDB8D0-98ED-4B86-9D5F-E61ADC70144D}" type="datetimeFigureOut">
               <a:rPr lang="en-US" smtClean="0"/>
               <a:pPr/>
-              <a:t>5/5/22</a:t>
+              <a:t>9/20/22</a:t>
             </a:fld>
             <a:endParaRPr lang="en-US" dirty="0"/>
           </a:p>
@@ -2071,7 +2071,7 @@
             <a:fld id="{82EDB8D0-98ED-4B86-9D5F-E61ADC70144D}" type="datetimeFigureOut">
               <a:rPr lang="en-US" smtClean="0"/>
               <a:pPr/>
-              <a:t>5/5/22</a:t>
+              <a:t>9/20/22</a:t>
             </a:fld>
             <a:endParaRPr lang="en-US" dirty="0"/>
           </a:p>
@@ -2191,7 +2191,7 @@
             <a:fld id="{82EDB8D0-98ED-4B86-9D5F-E61ADC70144D}" type="datetimeFigureOut">
               <a:rPr lang="en-US" smtClean="0"/>
               <a:pPr/>
-              <a:t>5/5/22</a:t>
+              <a:t>9/20/22</a:t>
             </a:fld>
             <a:endParaRPr lang="en-US" dirty="0"/>
           </a:p>
@@ -2288,7 +2288,7 @@
             <a:fld id="{82EDB8D0-98ED-4B86-9D5F-E61ADC70144D}" type="datetimeFigureOut">
               <a:rPr lang="en-US" smtClean="0"/>
               <a:pPr/>
-              <a:t>5/5/22</a:t>
+              <a:t>9/20/22</a:t>
             </a:fld>
             <a:endParaRPr lang="en-US" dirty="0"/>
           </a:p>
@@ -2567,7 +2567,7 @@
             <a:fld id="{82EDB8D0-98ED-4B86-9D5F-E61ADC70144D}" type="datetimeFigureOut">
               <a:rPr lang="en-US" smtClean="0"/>
               <a:pPr/>
-              <a:t>5/5/22</a:t>
+              <a:t>9/20/22</a:t>
             </a:fld>
             <a:endParaRPr lang="en-US" dirty="0"/>
           </a:p>
@@ -2826,7 +2826,7 @@
             <a:fld id="{82EDB8D0-98ED-4B86-9D5F-E61ADC70144D}" type="datetimeFigureOut">
               <a:rPr lang="en-US" smtClean="0"/>
               <a:pPr/>
-              <a:t>5/5/22</a:t>
+              <a:t>9/20/22</a:t>
             </a:fld>
             <a:endParaRPr lang="en-US" dirty="0"/>
           </a:p>
@@ -3041,7 +3041,7 @@
             <a:fld id="{82EDB8D0-98ED-4B86-9D5F-E61ADC70144D}" type="datetimeFigureOut">
               <a:rPr lang="en-US" smtClean="0"/>
               <a:pPr/>
-              <a:t>5/5/22</a:t>
+              <a:t>9/20/22</a:t>
             </a:fld>
             <a:endParaRPr lang="en-US" dirty="0"/>
           </a:p>
@@ -6020,7 +6020,7 @@
         <p:spPr>
           <a:xfrm>
             <a:off x="5221862" y="1719618"/>
-            <a:ext cx="5948831" cy="4334629"/>
+            <a:ext cx="6208138" cy="4334629"/>
           </a:xfrm>
         </p:spPr>
         <p:txBody>
@@ -6048,7 +6048,23 @@
                   <a:srgbClr val="FEFFFF"/>
                 </a:solidFill>
               </a:rPr>
-              <a:t>bit.ly</a:t>
+              <a:t>https</a:t>
+            </a:r>
+            <a:r>
+              <a:rPr lang="da-DK" sz="2400" dirty="0">
+                <a:solidFill>
+                  <a:srgbClr val="FEFFFF"/>
+                </a:solidFill>
+              </a:rPr>
+              <a:t>://</a:t>
+            </a:r>
+            <a:r>
+              <a:rPr lang="da-DK" sz="2400" dirty="0" err="1">
+                <a:solidFill>
+                  <a:srgbClr val="FEFFFF"/>
+                </a:solidFill>
+              </a:rPr>
+              <a:t>github.com</a:t>
             </a:r>
             <a:r>
               <a:rPr lang="da-DK" sz="2400" dirty="0">
@@ -6064,7 +6080,23 @@
                   <a:srgbClr val="FEFFFF"/>
                 </a:solidFill>
               </a:rPr>
-              <a:t>workshop_ocr</a:t>
+              <a:t>VictorHarbo</a:t>
+            </a:r>
+            <a:r>
+              <a:rPr lang="da-DK" sz="2400" dirty="0">
+                <a:solidFill>
+                  <a:srgbClr val="FEFFFF"/>
+                </a:solidFill>
+              </a:rPr>
+              <a:t>/</a:t>
+            </a:r>
+            <a:r>
+              <a:rPr lang="da-DK" sz="2400" dirty="0" err="1">
+                <a:solidFill>
+                  <a:srgbClr val="FEFFFF"/>
+                </a:solidFill>
+              </a:rPr>
+              <a:t>OCR_workshop</a:t>
             </a:r>
             <a:endParaRPr lang="da-DK" sz="2400" dirty="0">
               <a:solidFill>
